--- a/화면구성/from최원석부장님/1월 24일/에너지현황_20250123_승호피드백_2.pptx
+++ b/화면구성/from최원석부장님/1월 24일/에너지현황_20250123_승호피드백_2.pptx
@@ -5,10 +5,10 @@
     <p:sldMasterId id="2147483671" r:id="rId1"/>
   </p:sldMasterIdLst>
   <p:notesMasterIdLst>
-    <p:notesMasterId r:id="rId17"/>
+    <p:notesMasterId r:id="rId18"/>
   </p:notesMasterIdLst>
   <p:handoutMasterIdLst>
-    <p:handoutMasterId r:id="rId18"/>
+    <p:handoutMasterId r:id="rId19"/>
   </p:handoutMasterIdLst>
   <p:sldIdLst>
     <p:sldId id="298" r:id="rId2"/>
@@ -26,6 +26,7 @@
     <p:sldId id="293" r:id="rId14"/>
     <p:sldId id="294" r:id="rId15"/>
     <p:sldId id="295" r:id="rId16"/>
+    <p:sldId id="300" r:id="rId17"/>
   </p:sldIdLst>
   <p:sldSz cx="9906000" cy="6858000" type="A4"/>
   <p:notesSz cx="6858000" cy="9144000"/>
@@ -223,7 +224,7 @@
           <a:p>
             <a:fld id="{C2B9CFB0-BCA9-4570-BBC6-9C2684F7EA69}" type="datetimeFigureOut">
               <a:rPr lang="ko-KR" altLang="en-US" smtClean="0"/>
-              <a:t>2025-02-03</a:t>
+              <a:t>2025-02-06</a:t>
             </a:fld>
             <a:endParaRPr lang="ko-KR" altLang="en-US"/>
           </a:p>
@@ -388,7 +389,7 @@
           <a:p>
             <a:fld id="{BE23F86A-8152-4198-942A-719B9DB78762}" type="datetimeFigureOut">
               <a:rPr lang="ko-KR" altLang="en-US" smtClean="0"/>
-              <a:t>2025-02-03</a:t>
+              <a:t>2025-02-06</a:t>
             </a:fld>
             <a:endParaRPr lang="ko-KR" altLang="en-US"/>
           </a:p>
@@ -5859,6 +5860,691 @@
     <p:extLst>
       <p:ext uri="{BB962C8B-B14F-4D97-AF65-F5344CB8AC3E}">
         <p14:creationId xmlns:p14="http://schemas.microsoft.com/office/powerpoint/2010/main" val="1074037139"/>
+      </p:ext>
+    </p:extLst>
+  </p:cSld>
+  <p:clrMapOvr>
+    <a:masterClrMapping/>
+  </p:clrMapOvr>
+</p:sld>
+</file>
+
+<file path=ppt/slides/slide16.xml><?xml version="1.0" encoding="utf-8"?>
+<p:sld xmlns:a="http://schemas.openxmlformats.org/drawingml/2006/main" xmlns:r="http://schemas.openxmlformats.org/officeDocument/2006/relationships" xmlns:p="http://schemas.openxmlformats.org/presentationml/2006/main">
+  <p:cSld>
+    <p:spTree>
+      <p:nvGrpSpPr>
+        <p:cNvPr id="1" name="">
+          <a:extLst>
+            <a:ext uri="{FF2B5EF4-FFF2-40B4-BE49-F238E27FC236}">
+              <a16:creationId xmlns:a16="http://schemas.microsoft.com/office/drawing/2014/main" id="{5B035791-2CB3-35E9-13F2-878620B2DBFD}"/>
+            </a:ext>
+          </a:extLst>
+        </p:cNvPr>
+        <p:cNvGrpSpPr/>
+        <p:nvPr/>
+      </p:nvGrpSpPr>
+      <p:grpSpPr>
+        <a:xfrm>
+          <a:off x="0" y="0"/>
+          <a:ext cx="0" cy="0"/>
+          <a:chOff x="0" y="0"/>
+          <a:chExt cx="0" cy="0"/>
+        </a:xfrm>
+      </p:grpSpPr>
+      <p:sp>
+        <p:nvSpPr>
+          <p:cNvPr id="3" name="직사각형 2">
+            <a:extLst>
+              <a:ext uri="{FF2B5EF4-FFF2-40B4-BE49-F238E27FC236}">
+                <a16:creationId xmlns:a16="http://schemas.microsoft.com/office/drawing/2014/main" id="{04230B82-FC3D-88B2-B2B1-235D1D357BF2}"/>
+              </a:ext>
+            </a:extLst>
+          </p:cNvPr>
+          <p:cNvSpPr/>
+          <p:nvPr/>
+        </p:nvSpPr>
+        <p:spPr>
+          <a:xfrm>
+            <a:off x="172995" y="148282"/>
+            <a:ext cx="9551773" cy="364524"/>
+          </a:xfrm>
+          <a:prstGeom prst="rect">
+            <a:avLst/>
+          </a:prstGeom>
+        </p:spPr>
+        <p:style>
+          <a:lnRef idx="2">
+            <a:schemeClr val="accent1">
+              <a:shade val="50000"/>
+            </a:schemeClr>
+          </a:lnRef>
+          <a:fillRef idx="1">
+            <a:schemeClr val="accent1"/>
+          </a:fillRef>
+          <a:effectRef idx="0">
+            <a:schemeClr val="accent1"/>
+          </a:effectRef>
+          <a:fontRef idx="minor">
+            <a:schemeClr val="lt1"/>
+          </a:fontRef>
+        </p:style>
+        <p:txBody>
+          <a:bodyPr rtlCol="0" anchor="ctr"/>
+          <a:lstStyle/>
+          <a:p>
+            <a:r>
+              <a:rPr lang="ko-KR" altLang="en-US" dirty="0"/>
+              <a:t>추가  슬라이드 메모</a:t>
+            </a:r>
+          </a:p>
+        </p:txBody>
+      </p:sp>
+      <p:sp>
+        <p:nvSpPr>
+          <p:cNvPr id="9" name="직사각형 8">
+            <a:extLst>
+              <a:ext uri="{FF2B5EF4-FFF2-40B4-BE49-F238E27FC236}">
+                <a16:creationId xmlns:a16="http://schemas.microsoft.com/office/drawing/2014/main" id="{F7FD45A9-E0D7-7F85-4198-DA0C39798DCF}"/>
+              </a:ext>
+            </a:extLst>
+          </p:cNvPr>
+          <p:cNvSpPr/>
+          <p:nvPr/>
+        </p:nvSpPr>
+        <p:spPr>
+          <a:xfrm>
+            <a:off x="172994" y="833166"/>
+            <a:ext cx="9551773" cy="609757"/>
+          </a:xfrm>
+          <a:prstGeom prst="rect">
+            <a:avLst/>
+          </a:prstGeom>
+          <a:solidFill>
+            <a:srgbClr val="7030A0"/>
+          </a:solidFill>
+        </p:spPr>
+        <p:style>
+          <a:lnRef idx="2">
+            <a:schemeClr val="accent1">
+              <a:shade val="50000"/>
+            </a:schemeClr>
+          </a:lnRef>
+          <a:fillRef idx="1">
+            <a:schemeClr val="accent1"/>
+          </a:fillRef>
+          <a:effectRef idx="0">
+            <a:schemeClr val="accent1"/>
+          </a:effectRef>
+          <a:fontRef idx="minor">
+            <a:schemeClr val="lt1"/>
+          </a:fontRef>
+        </p:style>
+        <p:txBody>
+          <a:bodyPr rtlCol="0" anchor="ctr"/>
+          <a:lstStyle/>
+          <a:p>
+            <a:r>
+              <a:rPr lang="ko-KR" altLang="en-US" sz="1200" dirty="0"/>
+              <a:t>전국 비교</a:t>
+            </a:r>
+            <a:r>
+              <a:rPr lang="en-US" altLang="ko-KR" sz="1200" dirty="0"/>
+              <a:t>: </a:t>
+            </a:r>
+            <a:r>
+              <a:rPr lang="ko-KR" altLang="en-US" sz="1200" dirty="0"/>
+              <a:t>경기도의 에너지 소비를 전국 </a:t>
+            </a:r>
+            <a:r>
+              <a:rPr lang="en-US" altLang="ko-KR" sz="1200" dirty="0"/>
+              <a:t>17</a:t>
+            </a:r>
+            <a:r>
+              <a:rPr lang="ko-KR" altLang="en-US" sz="1200" dirty="0"/>
+              <a:t>개 시도와 비교하여</a:t>
+            </a:r>
+            <a:r>
+              <a:rPr lang="en-US" altLang="ko-KR" sz="1200" dirty="0"/>
+              <a:t>, </a:t>
+            </a:r>
+            <a:r>
+              <a:rPr lang="ko-KR" altLang="en-US" sz="1200" dirty="0"/>
+              <a:t>경기도가 전국적인 맥락에서 어떤 위치에 있는지 분석합니다</a:t>
+            </a:r>
+            <a:r>
+              <a:rPr lang="en-US" altLang="ko-KR" sz="1200" dirty="0"/>
+              <a:t>. </a:t>
+            </a:r>
+            <a:r>
+              <a:rPr lang="ko-KR" altLang="en-US" sz="1200" dirty="0"/>
+              <a:t>여기서는 경기도의 최종 에너지</a:t>
+            </a:r>
+            <a:r>
+              <a:rPr lang="en-US" altLang="ko-KR" sz="1200" dirty="0"/>
+              <a:t>, </a:t>
+            </a:r>
+            <a:r>
+              <a:rPr lang="ko-KR" altLang="en-US" sz="1200" dirty="0"/>
+              <a:t>부문별</a:t>
+            </a:r>
+            <a:r>
+              <a:rPr lang="en-US" altLang="ko-KR" sz="1200" dirty="0"/>
+              <a:t>, </a:t>
+            </a:r>
+            <a:r>
+              <a:rPr lang="ko-KR" altLang="en-US" sz="1200" dirty="0"/>
+              <a:t>에너지원별 소비량을 전국 다른 시도와 비교합니다</a:t>
+            </a:r>
+            <a:r>
+              <a:rPr lang="en-US" altLang="ko-KR" sz="1200" dirty="0"/>
+              <a:t>.</a:t>
+            </a:r>
+          </a:p>
+        </p:txBody>
+      </p:sp>
+      <p:sp>
+        <p:nvSpPr>
+          <p:cNvPr id="11" name="말풍선: 타원형 10">
+            <a:extLst>
+              <a:ext uri="{FF2B5EF4-FFF2-40B4-BE49-F238E27FC236}">
+                <a16:creationId xmlns:a16="http://schemas.microsoft.com/office/drawing/2014/main" id="{7CF72B7F-C931-6039-AD2D-9343CC63984A}"/>
+              </a:ext>
+            </a:extLst>
+          </p:cNvPr>
+          <p:cNvSpPr/>
+          <p:nvPr/>
+        </p:nvSpPr>
+        <p:spPr>
+          <a:xfrm>
+            <a:off x="2575299" y="-6505"/>
+            <a:ext cx="1307573" cy="612648"/>
+          </a:xfrm>
+          <a:prstGeom prst="wedgeEllipseCallout">
+            <a:avLst/>
+          </a:prstGeom>
+          <a:solidFill>
+            <a:srgbClr val="FFFF00"/>
+          </a:solidFill>
+          <a:ln>
+            <a:prstDash val="sysDot"/>
+          </a:ln>
+        </p:spPr>
+        <p:style>
+          <a:lnRef idx="2">
+            <a:schemeClr val="accent1">
+              <a:shade val="15000"/>
+            </a:schemeClr>
+          </a:lnRef>
+          <a:fillRef idx="1">
+            <a:schemeClr val="accent1"/>
+          </a:fillRef>
+          <a:effectRef idx="0">
+            <a:schemeClr val="accent1"/>
+          </a:effectRef>
+          <a:fontRef idx="minor">
+            <a:schemeClr val="lt1"/>
+          </a:fontRef>
+        </p:style>
+        <p:txBody>
+          <a:bodyPr rtlCol="0" anchor="ctr"/>
+          <a:lstStyle/>
+          <a:p>
+            <a:pPr algn="ctr"/>
+            <a:r>
+              <a:rPr lang="ko-KR" altLang="en-US" sz="1100" dirty="0">
+                <a:solidFill>
+                  <a:schemeClr val="tx1"/>
+                </a:solidFill>
+              </a:rPr>
+              <a:t>그냥 메모</a:t>
+            </a:r>
+            <a:endParaRPr lang="en-US" altLang="ko-KR" sz="1100" dirty="0">
+              <a:solidFill>
+                <a:schemeClr val="tx1"/>
+              </a:solidFill>
+            </a:endParaRPr>
+          </a:p>
+        </p:txBody>
+      </p:sp>
+      <p:sp>
+        <p:nvSpPr>
+          <p:cNvPr id="15" name="직사각형 14">
+            <a:extLst>
+              <a:ext uri="{FF2B5EF4-FFF2-40B4-BE49-F238E27FC236}">
+                <a16:creationId xmlns:a16="http://schemas.microsoft.com/office/drawing/2014/main" id="{2F4D5242-C80F-D711-3C0F-670D8389D503}"/>
+              </a:ext>
+            </a:extLst>
+          </p:cNvPr>
+          <p:cNvSpPr/>
+          <p:nvPr/>
+        </p:nvSpPr>
+        <p:spPr>
+          <a:xfrm>
+            <a:off x="172994" y="1669946"/>
+            <a:ext cx="9551773" cy="609757"/>
+          </a:xfrm>
+          <a:prstGeom prst="rect">
+            <a:avLst/>
+          </a:prstGeom>
+          <a:solidFill>
+            <a:srgbClr val="7030A0"/>
+          </a:solidFill>
+        </p:spPr>
+        <p:style>
+          <a:lnRef idx="2">
+            <a:schemeClr val="accent1">
+              <a:shade val="50000"/>
+            </a:schemeClr>
+          </a:lnRef>
+          <a:fillRef idx="1">
+            <a:schemeClr val="accent1"/>
+          </a:fillRef>
+          <a:effectRef idx="0">
+            <a:schemeClr val="accent1"/>
+          </a:effectRef>
+          <a:fontRef idx="minor">
+            <a:schemeClr val="lt1"/>
+          </a:fontRef>
+        </p:style>
+        <p:txBody>
+          <a:bodyPr rtlCol="0" anchor="ctr"/>
+          <a:lstStyle/>
+          <a:p>
+            <a:r>
+              <a:rPr lang="ko-KR" altLang="en-US" sz="1200" dirty="0"/>
+              <a:t>시군 종합</a:t>
+            </a:r>
+            <a:r>
+              <a:rPr lang="en-US" altLang="ko-KR" sz="1200" dirty="0"/>
+              <a:t>: </a:t>
+            </a:r>
+            <a:r>
+              <a:rPr lang="ko-KR" altLang="en-US" sz="1200" dirty="0"/>
+              <a:t>경기도 내 </a:t>
+            </a:r>
+            <a:r>
+              <a:rPr lang="en-US" altLang="ko-KR" sz="1200" dirty="0"/>
+              <a:t>31</a:t>
+            </a:r>
+            <a:r>
+              <a:rPr lang="ko-KR" altLang="en-US" sz="1200" dirty="0"/>
+              <a:t>개 시군의 에너지 소비 현황을 종합적으로 보여줍니다</a:t>
+            </a:r>
+            <a:r>
+              <a:rPr lang="en-US" altLang="ko-KR" sz="1200" dirty="0"/>
+              <a:t>. </a:t>
+            </a:r>
+            <a:r>
+              <a:rPr lang="ko-KR" altLang="en-US" sz="1200" dirty="0"/>
+              <a:t>여기서는 모든 시군에 대해 연도별</a:t>
+            </a:r>
+            <a:r>
+              <a:rPr lang="en-US" altLang="ko-KR" sz="1200" dirty="0"/>
+              <a:t>, </a:t>
+            </a:r>
+            <a:r>
+              <a:rPr lang="ko-KR" altLang="en-US" sz="1200" dirty="0"/>
+              <a:t>부문별</a:t>
+            </a:r>
+            <a:r>
+              <a:rPr lang="en-US" altLang="ko-KR" sz="1200" dirty="0"/>
+              <a:t>, </a:t>
+            </a:r>
+            <a:r>
+              <a:rPr lang="ko-KR" altLang="en-US" sz="1200" dirty="0"/>
+              <a:t>에너지원별 소비량을 지도 형태로 비교하고</a:t>
+            </a:r>
+            <a:r>
+              <a:rPr lang="en-US" altLang="ko-KR" sz="1200" dirty="0"/>
+              <a:t>, </a:t>
+            </a:r>
+            <a:r>
+              <a:rPr lang="ko-KR" altLang="en-US" sz="1200" dirty="0"/>
+              <a:t>또 해당 항목에 대해 시군 순위를 보여줍니다</a:t>
+            </a:r>
+            <a:r>
+              <a:rPr lang="en-US" altLang="ko-KR" sz="1200" dirty="0"/>
+              <a:t>.</a:t>
+            </a:r>
+          </a:p>
+        </p:txBody>
+      </p:sp>
+      <p:sp>
+        <p:nvSpPr>
+          <p:cNvPr id="19" name="말풍선: 타원형 18">
+            <a:extLst>
+              <a:ext uri="{FF2B5EF4-FFF2-40B4-BE49-F238E27FC236}">
+                <a16:creationId xmlns:a16="http://schemas.microsoft.com/office/drawing/2014/main" id="{8D7D1528-3EAE-7E31-C52B-901AEF0BC809}"/>
+              </a:ext>
+            </a:extLst>
+          </p:cNvPr>
+          <p:cNvSpPr/>
+          <p:nvPr/>
+        </p:nvSpPr>
+        <p:spPr>
+          <a:xfrm>
+            <a:off x="4177076" y="-6505"/>
+            <a:ext cx="1307573" cy="612648"/>
+          </a:xfrm>
+          <a:prstGeom prst="wedgeEllipseCallout">
+            <a:avLst/>
+          </a:prstGeom>
+          <a:solidFill>
+            <a:srgbClr val="FFFF00"/>
+          </a:solidFill>
+          <a:ln>
+            <a:prstDash val="sysDot"/>
+          </a:ln>
+        </p:spPr>
+        <p:style>
+          <a:lnRef idx="2">
+            <a:schemeClr val="accent1">
+              <a:shade val="15000"/>
+            </a:schemeClr>
+          </a:lnRef>
+          <a:fillRef idx="1">
+            <a:schemeClr val="accent1"/>
+          </a:fillRef>
+          <a:effectRef idx="0">
+            <a:schemeClr val="accent1"/>
+          </a:effectRef>
+          <a:fontRef idx="minor">
+            <a:schemeClr val="lt1"/>
+          </a:fontRef>
+        </p:style>
+        <p:txBody>
+          <a:bodyPr rtlCol="0" anchor="ctr"/>
+          <a:lstStyle/>
+          <a:p>
+            <a:pPr algn="ctr"/>
+            <a:r>
+              <a:rPr lang="ko-KR" altLang="en-US" sz="1100" dirty="0" err="1">
+                <a:solidFill>
+                  <a:schemeClr val="tx1"/>
+                </a:solidFill>
+              </a:rPr>
+              <a:t>시군별로</a:t>
+            </a:r>
+            <a:r>
+              <a:rPr lang="ko-KR" altLang="en-US" sz="1100" dirty="0">
+                <a:solidFill>
+                  <a:schemeClr val="tx1"/>
+                </a:solidFill>
+              </a:rPr>
+              <a:t> </a:t>
+            </a:r>
+            <a:r>
+              <a:rPr lang="en-US" altLang="ko-KR" sz="1100" dirty="0">
+                <a:solidFill>
+                  <a:schemeClr val="tx1"/>
+                </a:solidFill>
+              </a:rPr>
+              <a:t>Report</a:t>
+            </a:r>
+            <a:r>
+              <a:rPr lang="ko-KR" altLang="en-US" sz="1100" dirty="0">
+                <a:solidFill>
+                  <a:schemeClr val="tx1"/>
+                </a:solidFill>
+              </a:rPr>
+              <a:t>를 만들까</a:t>
+            </a:r>
+            <a:r>
+              <a:rPr lang="en-US" altLang="ko-KR" sz="1100" dirty="0">
+                <a:solidFill>
+                  <a:schemeClr val="tx1"/>
+                </a:solidFill>
+              </a:rPr>
+              <a:t>?</a:t>
+            </a:r>
+          </a:p>
+        </p:txBody>
+      </p:sp>
+      <p:sp>
+        <p:nvSpPr>
+          <p:cNvPr id="22" name="직사각형 21">
+            <a:extLst>
+              <a:ext uri="{FF2B5EF4-FFF2-40B4-BE49-F238E27FC236}">
+                <a16:creationId xmlns:a16="http://schemas.microsoft.com/office/drawing/2014/main" id="{556063D3-B61D-799F-56F0-22E9A33260C6}"/>
+              </a:ext>
+            </a:extLst>
+          </p:cNvPr>
+          <p:cNvSpPr/>
+          <p:nvPr/>
+        </p:nvSpPr>
+        <p:spPr>
+          <a:xfrm>
+            <a:off x="172994" y="2502356"/>
+            <a:ext cx="9551773" cy="609757"/>
+          </a:xfrm>
+          <a:prstGeom prst="rect">
+            <a:avLst/>
+          </a:prstGeom>
+          <a:solidFill>
+            <a:srgbClr val="7030A0"/>
+          </a:solidFill>
+        </p:spPr>
+        <p:style>
+          <a:lnRef idx="2">
+            <a:schemeClr val="accent1">
+              <a:shade val="50000"/>
+            </a:schemeClr>
+          </a:lnRef>
+          <a:fillRef idx="1">
+            <a:schemeClr val="accent1"/>
+          </a:fillRef>
+          <a:effectRef idx="0">
+            <a:schemeClr val="accent1"/>
+          </a:effectRef>
+          <a:fontRef idx="minor">
+            <a:schemeClr val="lt1"/>
+          </a:fontRef>
+        </p:style>
+        <p:txBody>
+          <a:bodyPr rtlCol="0" anchor="ctr"/>
+          <a:lstStyle/>
+          <a:p>
+            <a:r>
+              <a:rPr lang="ko-KR" altLang="en-US" sz="1200" dirty="0" err="1"/>
+              <a:t>시군별</a:t>
+            </a:r>
+            <a:r>
+              <a:rPr lang="ko-KR" altLang="en-US" sz="1200" dirty="0"/>
+              <a:t> 세부 분석</a:t>
+            </a:r>
+            <a:r>
+              <a:rPr lang="en-US" altLang="ko-KR" sz="1200" dirty="0"/>
+              <a:t>: </a:t>
+            </a:r>
+            <a:r>
+              <a:rPr lang="ko-KR" altLang="en-US" sz="1200" dirty="0"/>
+              <a:t>각 </a:t>
+            </a:r>
+            <a:r>
+              <a:rPr lang="ko-KR" altLang="en-US" sz="1200" dirty="0" err="1"/>
+              <a:t>시군별</a:t>
+            </a:r>
+            <a:r>
+              <a:rPr lang="ko-KR" altLang="en-US" sz="1200" dirty="0"/>
+              <a:t> 세부현황</a:t>
+            </a:r>
+            <a:r>
+              <a:rPr lang="en-US" altLang="ko-KR" sz="1200" dirty="0"/>
+              <a:t>, 1</a:t>
+            </a:r>
+            <a:r>
+              <a:rPr lang="ko-KR" altLang="en-US" sz="1200" dirty="0"/>
+              <a:t>인당</a:t>
+            </a:r>
+            <a:r>
+              <a:rPr lang="en-US" altLang="ko-KR" sz="1200" dirty="0"/>
+              <a:t>&amp;GRDP</a:t>
+            </a:r>
+            <a:r>
+              <a:rPr lang="ko-KR" altLang="en-US" sz="1200" dirty="0"/>
+              <a:t>당 에너지소비량</a:t>
+            </a:r>
+            <a:r>
+              <a:rPr lang="en-US" altLang="ko-KR" sz="1200" dirty="0"/>
+              <a:t>, </a:t>
+            </a:r>
+            <a:r>
+              <a:rPr lang="ko-KR" altLang="en-US" sz="1200" dirty="0"/>
+              <a:t>부문별</a:t>
+            </a:r>
+            <a:r>
+              <a:rPr lang="en-US" altLang="ko-KR" sz="1200" dirty="0"/>
+              <a:t>, </a:t>
+            </a:r>
+            <a:r>
+              <a:rPr lang="ko-KR" altLang="en-US" sz="1200" dirty="0"/>
+              <a:t>원별 에너지소비량을 시계열 형태로 보여줍니다</a:t>
+            </a:r>
+            <a:r>
+              <a:rPr lang="en-US" altLang="ko-KR" sz="1200" dirty="0"/>
+              <a:t>.</a:t>
+            </a:r>
+          </a:p>
+          <a:p>
+            <a:r>
+              <a:rPr lang="ko-KR" altLang="en-US" sz="1200" dirty="0"/>
+              <a:t>세부적인 에너지 소비 현황을 분석합니다</a:t>
+            </a:r>
+            <a:r>
+              <a:rPr lang="en-US" altLang="ko-KR" sz="1200" dirty="0"/>
+              <a:t>. </a:t>
+            </a:r>
+            <a:r>
+              <a:rPr lang="ko-KR" altLang="en-US" sz="1200" dirty="0"/>
+              <a:t>이 섹션에서는 각 시군의 에너지 소비량</a:t>
+            </a:r>
+            <a:r>
+              <a:rPr lang="en-US" altLang="ko-KR" sz="1200" dirty="0"/>
+              <a:t>, </a:t>
+            </a:r>
+            <a:r>
+              <a:rPr lang="ko-KR" altLang="en-US" sz="1200" dirty="0"/>
+              <a:t>주요 에너지 소비 부문</a:t>
+            </a:r>
+            <a:r>
+              <a:rPr lang="en-US" altLang="ko-KR" sz="1200" dirty="0"/>
+              <a:t>(</a:t>
+            </a:r>
+            <a:r>
+              <a:rPr lang="ko-KR" altLang="en-US" sz="1200" dirty="0"/>
+              <a:t>가정</a:t>
+            </a:r>
+            <a:r>
+              <a:rPr lang="en-US" altLang="ko-KR" sz="1200" dirty="0"/>
+              <a:t>, </a:t>
+            </a:r>
+            <a:r>
+              <a:rPr lang="ko-KR" altLang="en-US" sz="1200" dirty="0"/>
+              <a:t>산업</a:t>
+            </a:r>
+            <a:r>
+              <a:rPr lang="en-US" altLang="ko-KR" sz="1200" dirty="0"/>
+              <a:t>, </a:t>
+            </a:r>
+            <a:r>
+              <a:rPr lang="ko-KR" altLang="en-US" sz="1200" dirty="0"/>
+              <a:t>상업 등</a:t>
+            </a:r>
+            <a:r>
+              <a:rPr lang="en-US" altLang="ko-KR" sz="1200" dirty="0"/>
+              <a:t>), </a:t>
+            </a:r>
+            <a:r>
+              <a:rPr lang="ko-KR" altLang="en-US" sz="1200" dirty="0"/>
+              <a:t>에너지 효율성 지표 등을 구체적으로 다루어 </a:t>
+            </a:r>
+            <a:r>
+              <a:rPr lang="ko-KR" altLang="en-US" sz="1200" dirty="0" err="1"/>
+              <a:t>시군별</a:t>
+            </a:r>
+            <a:r>
+              <a:rPr lang="ko-KR" altLang="en-US" sz="1200" dirty="0"/>
+              <a:t> 에너지 관리 및 정책 수립에 도움이 되는 데이터를 제공합니다</a:t>
+            </a:r>
+            <a:r>
+              <a:rPr lang="en-US" altLang="ko-KR" sz="1200" dirty="0"/>
+              <a:t>.</a:t>
+            </a:r>
+          </a:p>
+        </p:txBody>
+      </p:sp>
+      <p:sp>
+        <p:nvSpPr>
+          <p:cNvPr id="23" name="말풍선: 타원형 22">
+            <a:extLst>
+              <a:ext uri="{FF2B5EF4-FFF2-40B4-BE49-F238E27FC236}">
+                <a16:creationId xmlns:a16="http://schemas.microsoft.com/office/drawing/2014/main" id="{FCE15471-3CD7-9CA2-76B7-8276B5BEAAB6}"/>
+              </a:ext>
+            </a:extLst>
+          </p:cNvPr>
+          <p:cNvSpPr/>
+          <p:nvPr/>
+        </p:nvSpPr>
+        <p:spPr>
+          <a:xfrm>
+            <a:off x="9252213" y="2275333"/>
+            <a:ext cx="1307573" cy="612648"/>
+          </a:xfrm>
+          <a:prstGeom prst="wedgeEllipseCallout">
+            <a:avLst/>
+          </a:prstGeom>
+          <a:solidFill>
+            <a:srgbClr val="FFFF00"/>
+          </a:solidFill>
+          <a:ln>
+            <a:prstDash val="sysDot"/>
+          </a:ln>
+        </p:spPr>
+        <p:style>
+          <a:lnRef idx="2">
+            <a:schemeClr val="accent1">
+              <a:shade val="15000"/>
+            </a:schemeClr>
+          </a:lnRef>
+          <a:fillRef idx="1">
+            <a:schemeClr val="accent1"/>
+          </a:fillRef>
+          <a:effectRef idx="0">
+            <a:schemeClr val="accent1"/>
+          </a:effectRef>
+          <a:fontRef idx="minor">
+            <a:schemeClr val="lt1"/>
+          </a:fontRef>
+        </p:style>
+        <p:txBody>
+          <a:bodyPr rtlCol="0" anchor="ctr"/>
+          <a:lstStyle/>
+          <a:p>
+            <a:pPr algn="ctr"/>
+            <a:r>
+              <a:rPr lang="ko-KR" altLang="en-US" sz="1100" dirty="0">
+                <a:solidFill>
+                  <a:schemeClr val="tx1"/>
+                </a:solidFill>
+              </a:rPr>
+              <a:t>전력 자립도</a:t>
+            </a:r>
+            <a:r>
+              <a:rPr lang="en-US" altLang="ko-KR" sz="1100" dirty="0">
+                <a:solidFill>
+                  <a:schemeClr val="tx1"/>
+                </a:solidFill>
+              </a:rPr>
+              <a:t>?</a:t>
+            </a:r>
+          </a:p>
+        </p:txBody>
+      </p:sp>
+    </p:spTree>
+    <p:extLst>
+      <p:ext uri="{BB962C8B-B14F-4D97-AF65-F5344CB8AC3E}">
+        <p14:creationId xmlns:p14="http://schemas.microsoft.com/office/powerpoint/2010/main" val="2196804307"/>
       </p:ext>
     </p:extLst>
   </p:cSld>
